--- a/Presentations/DomainDrivenDesign/DDD-TacticalDesign.pptx
+++ b/Presentations/DomainDrivenDesign/DDD-TacticalDesign.pptx
@@ -5,7 +5,7 @@
     <p:sldMasterId id="2147483657" r:id="rId1"/>
   </p:sldMasterIdLst>
   <p:notesMasterIdLst>
-    <p:notesMasterId r:id="rId34"/>
+    <p:notesMasterId r:id="rId37"/>
   </p:notesMasterIdLst>
   <p:sldIdLst>
     <p:sldId id="258" r:id="rId2"/>
@@ -35,22 +35,25 @@
     <p:sldId id="355" r:id="rId26"/>
     <p:sldId id="352" r:id="rId27"/>
     <p:sldId id="357" r:id="rId28"/>
-    <p:sldId id="358" r:id="rId29"/>
-    <p:sldId id="359" r:id="rId30"/>
-    <p:sldId id="280" r:id="rId31"/>
-    <p:sldId id="310" r:id="rId32"/>
-    <p:sldId id="279" r:id="rId33"/>
+    <p:sldId id="360" r:id="rId29"/>
+    <p:sldId id="361" r:id="rId30"/>
+    <p:sldId id="362" r:id="rId31"/>
+    <p:sldId id="358" r:id="rId32"/>
+    <p:sldId id="359" r:id="rId33"/>
+    <p:sldId id="280" r:id="rId34"/>
+    <p:sldId id="310" r:id="rId35"/>
+    <p:sldId id="279" r:id="rId36"/>
   </p:sldIdLst>
   <p:sldSz cx="9144000" cy="5143500" type="screen16x9"/>
   <p:notesSz cx="6858000" cy="9144000"/>
   <p:embeddedFontLst>
     <p:embeddedFont>
       <p:font typeface="Walter Turncoat" panose="020B0604020202020204" charset="0"/>
-      <p:regular r:id="rId35"/>
+      <p:regular r:id="rId38"/>
     </p:embeddedFont>
     <p:embeddedFont>
       <p:font typeface="Sniglet" panose="020B0604020202020204" charset="0"/>
-      <p:regular r:id="rId36"/>
+      <p:regular r:id="rId39"/>
     </p:embeddedFont>
   </p:embeddedFontLst>
   <p:defaultTextStyle>
@@ -3192,11 +3195,115 @@
               <a:tabLst/>
               <a:defRPr/>
             </a:pPr>
-            <a:r>
-              <a:rPr lang="en-US" dirty="0"/>
-              <a:t>- deleting of an objects cascades to deleting another object then it is likely to be AR http://i.imgur.com/zqaOlWm.png</a:t>
-            </a:r>
+            <a:endParaRPr lang="en-US" dirty="0"/>
           </a:p>
+        </p:txBody>
+      </p:sp>
+    </p:spTree>
+    <p:extLst>
+      <p:ext uri="{BB962C8B-B14F-4D97-AF65-F5344CB8AC3E}">
+        <p14:creationId xmlns:p14="http://schemas.microsoft.com/office/powerpoint/2010/main" val="1396205529"/>
+      </p:ext>
+    </p:extLst>
+  </p:cSld>
+  <p:clrMapOvr>
+    <a:masterClrMapping/>
+  </p:clrMapOvr>
+</p:notes>
+</file>
+
+<file path=ppt/notesSlides/notesSlide28.xml><?xml version="1.0" encoding="utf-8"?>
+<p:notes xmlns:a="http://schemas.openxmlformats.org/drawingml/2006/main" xmlns:r="http://schemas.openxmlformats.org/officeDocument/2006/relationships" xmlns:p="http://schemas.openxmlformats.org/presentationml/2006/main" showMasterSp="0" showMasterPhAnim="0">
+  <p:cSld>
+    <p:spTree>
+      <p:nvGrpSpPr>
+        <p:cNvPr id="1" name="Shape 63"/>
+        <p:cNvGrpSpPr/>
+        <p:nvPr/>
+      </p:nvGrpSpPr>
+      <p:grpSpPr>
+        <a:xfrm>
+          <a:off x="0" y="0"/>
+          <a:ext cx="0" cy="0"/>
+          <a:chOff x="0" y="0"/>
+          <a:chExt cx="0" cy="0"/>
+        </a:xfrm>
+      </p:grpSpPr>
+      <p:sp>
+        <p:nvSpPr>
+          <p:cNvPr id="64" name="Shape 64"/>
+          <p:cNvSpPr>
+            <a:spLocks noGrp="1" noRot="1" noChangeAspect="1"/>
+          </p:cNvSpPr>
+          <p:nvPr>
+            <p:ph type="sldImg" idx="2"/>
+          </p:nvPr>
+        </p:nvSpPr>
+        <p:spPr>
+          <a:xfrm>
+            <a:off x="381000" y="685800"/>
+            <a:ext cx="6096000" cy="3429000"/>
+          </a:xfrm>
+          <a:custGeom>
+            <a:avLst/>
+            <a:gdLst/>
+            <a:ahLst/>
+            <a:cxnLst/>
+            <a:rect l="0" t="0" r="0" b="0"/>
+            <a:pathLst>
+              <a:path w="120000" h="120000" extrusionOk="0">
+                <a:moveTo>
+                  <a:pt x="0" y="0"/>
+                </a:moveTo>
+                <a:lnTo>
+                  <a:pt x="120000" y="0"/>
+                </a:lnTo>
+                <a:lnTo>
+                  <a:pt x="120000" y="120000"/>
+                </a:lnTo>
+                <a:lnTo>
+                  <a:pt x="0" y="120000"/>
+                </a:lnTo>
+                <a:close/>
+              </a:path>
+            </a:pathLst>
+          </a:custGeom>
+          <a:noFill/>
+          <a:ln w="9525" cap="flat" cmpd="sng">
+            <a:solidFill>
+              <a:srgbClr val="000000"/>
+            </a:solidFill>
+            <a:prstDash val="solid"/>
+            <a:round/>
+            <a:headEnd type="none" w="med" len="med"/>
+            <a:tailEnd type="none" w="med" len="med"/>
+          </a:ln>
+        </p:spPr>
+      </p:sp>
+      <p:sp>
+        <p:nvSpPr>
+          <p:cNvPr id="65" name="Shape 65"/>
+          <p:cNvSpPr txBox="1">
+            <a:spLocks noGrp="1"/>
+          </p:cNvSpPr>
+          <p:nvPr>
+            <p:ph type="body" idx="1"/>
+          </p:nvPr>
+        </p:nvSpPr>
+        <p:spPr>
+          <a:xfrm>
+            <a:off x="685800" y="4343400"/>
+            <a:ext cx="5486399" cy="4114800"/>
+          </a:xfrm>
+          <a:prstGeom prst="rect">
+            <a:avLst/>
+          </a:prstGeom>
+        </p:spPr>
+        <p:txBody>
+          <a:bodyPr lIns="91425" tIns="91425" rIns="91425" bIns="91425" anchor="t" anchorCtr="0">
+            <a:noAutofit/>
+          </a:bodyPr>
+          <a:lstStyle/>
           <a:p>
             <a:pPr marL="0" marR="0" indent="0" algn="l" defTabSz="914400" rtl="0" eaLnBrk="1" fontAlgn="auto" latinLnBrk="0" hangingPunct="1">
               <a:lnSpc>
@@ -3215,17 +3322,14 @@
               <a:tabLst/>
               <a:defRPr/>
             </a:pPr>
-            <a:r>
-              <a:rPr lang="en-US" dirty="0"/>
-              <a:t>- saving changes can save entire aggregate</a:t>
-            </a:r>
+            <a:endParaRPr lang="en-US" dirty="0"/>
           </a:p>
         </p:txBody>
       </p:sp>
     </p:spTree>
     <p:extLst>
       <p:ext uri="{BB962C8B-B14F-4D97-AF65-F5344CB8AC3E}">
-        <p14:creationId xmlns:p14="http://schemas.microsoft.com/office/powerpoint/2010/main" val="1396205529"/>
+        <p14:creationId xmlns:p14="http://schemas.microsoft.com/office/powerpoint/2010/main" val="3412601482"/>
       </p:ext>
     </p:extLst>
   </p:cSld>
@@ -3235,7 +3339,388 @@
 </p:notes>
 </file>
 
-<file path=ppt/notesSlides/notesSlide28.xml><?xml version="1.0" encoding="utf-8"?>
+<file path=ppt/notesSlides/notesSlide29.xml><?xml version="1.0" encoding="utf-8"?>
+<p:notes xmlns:a="http://schemas.openxmlformats.org/drawingml/2006/main" xmlns:r="http://schemas.openxmlformats.org/officeDocument/2006/relationships" xmlns:p="http://schemas.openxmlformats.org/presentationml/2006/main" showMasterSp="0" showMasterPhAnim="0">
+  <p:cSld>
+    <p:spTree>
+      <p:nvGrpSpPr>
+        <p:cNvPr id="1" name="Shape 63"/>
+        <p:cNvGrpSpPr/>
+        <p:nvPr/>
+      </p:nvGrpSpPr>
+      <p:grpSpPr>
+        <a:xfrm>
+          <a:off x="0" y="0"/>
+          <a:ext cx="0" cy="0"/>
+          <a:chOff x="0" y="0"/>
+          <a:chExt cx="0" cy="0"/>
+        </a:xfrm>
+      </p:grpSpPr>
+      <p:sp>
+        <p:nvSpPr>
+          <p:cNvPr id="64" name="Shape 64"/>
+          <p:cNvSpPr>
+            <a:spLocks noGrp="1" noRot="1" noChangeAspect="1"/>
+          </p:cNvSpPr>
+          <p:nvPr>
+            <p:ph type="sldImg" idx="2"/>
+          </p:nvPr>
+        </p:nvSpPr>
+        <p:spPr>
+          <a:xfrm>
+            <a:off x="381000" y="685800"/>
+            <a:ext cx="6096000" cy="3429000"/>
+          </a:xfrm>
+          <a:custGeom>
+            <a:avLst/>
+            <a:gdLst/>
+            <a:ahLst/>
+            <a:cxnLst/>
+            <a:rect l="0" t="0" r="0" b="0"/>
+            <a:pathLst>
+              <a:path w="120000" h="120000" extrusionOk="0">
+                <a:moveTo>
+                  <a:pt x="0" y="0"/>
+                </a:moveTo>
+                <a:lnTo>
+                  <a:pt x="120000" y="0"/>
+                </a:lnTo>
+                <a:lnTo>
+                  <a:pt x="120000" y="120000"/>
+                </a:lnTo>
+                <a:lnTo>
+                  <a:pt x="0" y="120000"/>
+                </a:lnTo>
+                <a:close/>
+              </a:path>
+            </a:pathLst>
+          </a:custGeom>
+          <a:noFill/>
+          <a:ln w="9525" cap="flat" cmpd="sng">
+            <a:solidFill>
+              <a:srgbClr val="000000"/>
+            </a:solidFill>
+            <a:prstDash val="solid"/>
+            <a:round/>
+            <a:headEnd type="none" w="med" len="med"/>
+            <a:tailEnd type="none" w="med" len="med"/>
+          </a:ln>
+        </p:spPr>
+      </p:sp>
+      <p:sp>
+        <p:nvSpPr>
+          <p:cNvPr id="65" name="Shape 65"/>
+          <p:cNvSpPr txBox="1">
+            <a:spLocks noGrp="1"/>
+          </p:cNvSpPr>
+          <p:nvPr>
+            <p:ph type="body" idx="1"/>
+          </p:nvPr>
+        </p:nvSpPr>
+        <p:spPr>
+          <a:xfrm>
+            <a:off x="685800" y="4343400"/>
+            <a:ext cx="5486399" cy="4114800"/>
+          </a:xfrm>
+          <a:prstGeom prst="rect">
+            <a:avLst/>
+          </a:prstGeom>
+        </p:spPr>
+        <p:txBody>
+          <a:bodyPr lIns="91425" tIns="91425" rIns="91425" bIns="91425" anchor="t" anchorCtr="0">
+            <a:noAutofit/>
+          </a:bodyPr>
+          <a:lstStyle/>
+          <a:p>
+            <a:pPr marL="0" marR="0" indent="0" algn="l" defTabSz="914400" rtl="0" eaLnBrk="1" fontAlgn="auto" latinLnBrk="0" hangingPunct="1">
+              <a:lnSpc>
+                <a:spcPct val="100000"/>
+              </a:lnSpc>
+              <a:spcBef>
+                <a:spcPts val="0"/>
+              </a:spcBef>
+              <a:spcAft>
+                <a:spcPts val="0"/>
+              </a:spcAft>
+              <a:buClrTx/>
+              <a:buSzTx/>
+              <a:buFontTx/>
+              <a:buNone/>
+              <a:tabLst/>
+              <a:defRPr/>
+            </a:pPr>
+            <a:endParaRPr lang="en-US" dirty="0"/>
+          </a:p>
+        </p:txBody>
+      </p:sp>
+    </p:spTree>
+    <p:extLst>
+      <p:ext uri="{BB962C8B-B14F-4D97-AF65-F5344CB8AC3E}">
+        <p14:creationId xmlns:p14="http://schemas.microsoft.com/office/powerpoint/2010/main" val="3539661401"/>
+      </p:ext>
+    </p:extLst>
+  </p:cSld>
+  <p:clrMapOvr>
+    <a:masterClrMapping/>
+  </p:clrMapOvr>
+</p:notes>
+</file>
+
+<file path=ppt/notesSlides/notesSlide3.xml><?xml version="1.0" encoding="utf-8"?>
+<p:notes xmlns:a="http://schemas.openxmlformats.org/drawingml/2006/main" xmlns:r="http://schemas.openxmlformats.org/officeDocument/2006/relationships" xmlns:p="http://schemas.openxmlformats.org/presentationml/2006/main" showMasterSp="0" showMasterPhAnim="0">
+  <p:cSld>
+    <p:spTree>
+      <p:nvGrpSpPr>
+        <p:cNvPr id="1" name="Shape 44"/>
+        <p:cNvGrpSpPr/>
+        <p:nvPr/>
+      </p:nvGrpSpPr>
+      <p:grpSpPr>
+        <a:xfrm>
+          <a:off x="0" y="0"/>
+          <a:ext cx="0" cy="0"/>
+          <a:chOff x="0" y="0"/>
+          <a:chExt cx="0" cy="0"/>
+        </a:xfrm>
+      </p:grpSpPr>
+      <p:sp>
+        <p:nvSpPr>
+          <p:cNvPr id="45" name="Shape 45"/>
+          <p:cNvSpPr>
+            <a:spLocks noGrp="1" noRot="1" noChangeAspect="1"/>
+          </p:cNvSpPr>
+          <p:nvPr>
+            <p:ph type="sldImg" idx="2"/>
+          </p:nvPr>
+        </p:nvSpPr>
+        <p:spPr>
+          <a:xfrm>
+            <a:off x="381000" y="685800"/>
+            <a:ext cx="6096000" cy="3429000"/>
+          </a:xfrm>
+          <a:custGeom>
+            <a:avLst/>
+            <a:gdLst/>
+            <a:ahLst/>
+            <a:cxnLst/>
+            <a:rect l="0" t="0" r="0" b="0"/>
+            <a:pathLst>
+              <a:path w="120000" h="120000" extrusionOk="0">
+                <a:moveTo>
+                  <a:pt x="0" y="0"/>
+                </a:moveTo>
+                <a:lnTo>
+                  <a:pt x="120000" y="0"/>
+                </a:lnTo>
+                <a:lnTo>
+                  <a:pt x="120000" y="120000"/>
+                </a:lnTo>
+                <a:lnTo>
+                  <a:pt x="0" y="120000"/>
+                </a:lnTo>
+                <a:close/>
+              </a:path>
+            </a:pathLst>
+          </a:custGeom>
+          <a:noFill/>
+          <a:ln w="9525" cap="flat" cmpd="sng">
+            <a:solidFill>
+              <a:srgbClr val="000000"/>
+            </a:solidFill>
+            <a:prstDash val="solid"/>
+            <a:round/>
+            <a:headEnd type="none" w="med" len="med"/>
+            <a:tailEnd type="none" w="med" len="med"/>
+          </a:ln>
+        </p:spPr>
+      </p:sp>
+      <p:sp>
+        <p:nvSpPr>
+          <p:cNvPr id="46" name="Shape 46"/>
+          <p:cNvSpPr txBox="1">
+            <a:spLocks noGrp="1"/>
+          </p:cNvSpPr>
+          <p:nvPr>
+            <p:ph type="body" idx="1"/>
+          </p:nvPr>
+        </p:nvSpPr>
+        <p:spPr>
+          <a:xfrm>
+            <a:off x="685800" y="4343400"/>
+            <a:ext cx="5486399" cy="4114800"/>
+          </a:xfrm>
+          <a:prstGeom prst="rect">
+            <a:avLst/>
+          </a:prstGeom>
+        </p:spPr>
+        <p:txBody>
+          <a:bodyPr lIns="91425" tIns="91425" rIns="91425" bIns="91425" anchor="t" anchorCtr="0">
+            <a:noAutofit/>
+          </a:bodyPr>
+          <a:lstStyle/>
+          <a:p>
+            <a:pPr>
+              <a:spcBef>
+                <a:spcPts val="0"/>
+              </a:spcBef>
+              <a:buNone/>
+            </a:pPr>
+            <a:r>
+              <a:rPr lang="en-US" dirty="0"/>
+              <a:t>- How</a:t>
+            </a:r>
+            <a:r>
+              <a:rPr lang="en-US" baseline="0" dirty="0"/>
+              <a:t> the Blue book is organized. Read Part IV: Strategic Design to the end and then the whole book.</a:t>
+            </a:r>
+          </a:p>
+          <a:p>
+            <a:pPr>
+              <a:spcBef>
+                <a:spcPts val="0"/>
+              </a:spcBef>
+              <a:buNone/>
+            </a:pPr>
+            <a:endParaRPr dirty="0"/>
+          </a:p>
+        </p:txBody>
+      </p:sp>
+    </p:spTree>
+  </p:cSld>
+  <p:clrMapOvr>
+    <a:masterClrMapping/>
+  </p:clrMapOvr>
+</p:notes>
+</file>
+
+<file path=ppt/notesSlides/notesSlide30.xml><?xml version="1.0" encoding="utf-8"?>
+<p:notes xmlns:a="http://schemas.openxmlformats.org/drawingml/2006/main" xmlns:r="http://schemas.openxmlformats.org/officeDocument/2006/relationships" xmlns:p="http://schemas.openxmlformats.org/presentationml/2006/main" showMasterSp="0" showMasterPhAnim="0">
+  <p:cSld>
+    <p:spTree>
+      <p:nvGrpSpPr>
+        <p:cNvPr id="1" name="Shape 63"/>
+        <p:cNvGrpSpPr/>
+        <p:nvPr/>
+      </p:nvGrpSpPr>
+      <p:grpSpPr>
+        <a:xfrm>
+          <a:off x="0" y="0"/>
+          <a:ext cx="0" cy="0"/>
+          <a:chOff x="0" y="0"/>
+          <a:chExt cx="0" cy="0"/>
+        </a:xfrm>
+      </p:grpSpPr>
+      <p:sp>
+        <p:nvSpPr>
+          <p:cNvPr id="64" name="Shape 64"/>
+          <p:cNvSpPr>
+            <a:spLocks noGrp="1" noRot="1" noChangeAspect="1"/>
+          </p:cNvSpPr>
+          <p:nvPr>
+            <p:ph type="sldImg" idx="2"/>
+          </p:nvPr>
+        </p:nvSpPr>
+        <p:spPr>
+          <a:xfrm>
+            <a:off x="381000" y="685800"/>
+            <a:ext cx="6096000" cy="3429000"/>
+          </a:xfrm>
+          <a:custGeom>
+            <a:avLst/>
+            <a:gdLst/>
+            <a:ahLst/>
+            <a:cxnLst/>
+            <a:rect l="0" t="0" r="0" b="0"/>
+            <a:pathLst>
+              <a:path w="120000" h="120000" extrusionOk="0">
+                <a:moveTo>
+                  <a:pt x="0" y="0"/>
+                </a:moveTo>
+                <a:lnTo>
+                  <a:pt x="120000" y="0"/>
+                </a:lnTo>
+                <a:lnTo>
+                  <a:pt x="120000" y="120000"/>
+                </a:lnTo>
+                <a:lnTo>
+                  <a:pt x="0" y="120000"/>
+                </a:lnTo>
+                <a:close/>
+              </a:path>
+            </a:pathLst>
+          </a:custGeom>
+          <a:noFill/>
+          <a:ln w="9525" cap="flat" cmpd="sng">
+            <a:solidFill>
+              <a:srgbClr val="000000"/>
+            </a:solidFill>
+            <a:prstDash val="solid"/>
+            <a:round/>
+            <a:headEnd type="none" w="med" len="med"/>
+            <a:tailEnd type="none" w="med" len="med"/>
+          </a:ln>
+        </p:spPr>
+      </p:sp>
+      <p:sp>
+        <p:nvSpPr>
+          <p:cNvPr id="65" name="Shape 65"/>
+          <p:cNvSpPr txBox="1">
+            <a:spLocks noGrp="1"/>
+          </p:cNvSpPr>
+          <p:nvPr>
+            <p:ph type="body" idx="1"/>
+          </p:nvPr>
+        </p:nvSpPr>
+        <p:spPr>
+          <a:xfrm>
+            <a:off x="685800" y="4343400"/>
+            <a:ext cx="5486399" cy="4114800"/>
+          </a:xfrm>
+          <a:prstGeom prst="rect">
+            <a:avLst/>
+          </a:prstGeom>
+        </p:spPr>
+        <p:txBody>
+          <a:bodyPr lIns="91425" tIns="91425" rIns="91425" bIns="91425" anchor="t" anchorCtr="0">
+            <a:noAutofit/>
+          </a:bodyPr>
+          <a:lstStyle/>
+          <a:p>
+            <a:pPr marL="0" marR="0" indent="0" algn="l" defTabSz="914400" rtl="0" eaLnBrk="1" fontAlgn="auto" latinLnBrk="0" hangingPunct="1">
+              <a:lnSpc>
+                <a:spcPct val="100000"/>
+              </a:lnSpc>
+              <a:spcBef>
+                <a:spcPts val="0"/>
+              </a:spcBef>
+              <a:spcAft>
+                <a:spcPts val="0"/>
+              </a:spcAft>
+              <a:buClrTx/>
+              <a:buSzTx/>
+              <a:buFontTx/>
+              <a:buNone/>
+              <a:tabLst/>
+              <a:defRPr/>
+            </a:pPr>
+            <a:endParaRPr lang="en-US" dirty="0"/>
+          </a:p>
+        </p:txBody>
+      </p:sp>
+    </p:spTree>
+    <p:extLst>
+      <p:ext uri="{BB962C8B-B14F-4D97-AF65-F5344CB8AC3E}">
+        <p14:creationId xmlns:p14="http://schemas.microsoft.com/office/powerpoint/2010/main" val="4154233190"/>
+      </p:ext>
+    </p:extLst>
+  </p:cSld>
+  <p:clrMapOvr>
+    <a:masterClrMapping/>
+  </p:clrMapOvr>
+</p:notes>
+</file>
+
+<file path=ppt/notesSlides/notesSlide31.xml><?xml version="1.0" encoding="utf-8"?>
 <p:notes xmlns:a="http://schemas.openxmlformats.org/drawingml/2006/main" xmlns:r="http://schemas.openxmlformats.org/officeDocument/2006/relationships" xmlns:p="http://schemas.openxmlformats.org/presentationml/2006/main" showMasterSp="0" showMasterPhAnim="0">
   <p:cSld>
     <p:spTree>
@@ -3388,7 +3873,7 @@
 </p:notes>
 </file>
 
-<file path=ppt/notesSlides/notesSlide29.xml><?xml version="1.0" encoding="utf-8"?>
+<file path=ppt/notesSlides/notesSlide32.xml><?xml version="1.0" encoding="utf-8"?>
 <p:notes xmlns:a="http://schemas.openxmlformats.org/drawingml/2006/main" xmlns:r="http://schemas.openxmlformats.org/officeDocument/2006/relationships" xmlns:p="http://schemas.openxmlformats.org/presentationml/2006/main" showMasterSp="0" showMasterPhAnim="0">
   <p:cSld>
     <p:spTree>
@@ -3541,134 +4026,7 @@
 </p:notes>
 </file>
 
-<file path=ppt/notesSlides/notesSlide3.xml><?xml version="1.0" encoding="utf-8"?>
-<p:notes xmlns:a="http://schemas.openxmlformats.org/drawingml/2006/main" xmlns:r="http://schemas.openxmlformats.org/officeDocument/2006/relationships" xmlns:p="http://schemas.openxmlformats.org/presentationml/2006/main" showMasterSp="0" showMasterPhAnim="0">
-  <p:cSld>
-    <p:spTree>
-      <p:nvGrpSpPr>
-        <p:cNvPr id="1" name="Shape 44"/>
-        <p:cNvGrpSpPr/>
-        <p:nvPr/>
-      </p:nvGrpSpPr>
-      <p:grpSpPr>
-        <a:xfrm>
-          <a:off x="0" y="0"/>
-          <a:ext cx="0" cy="0"/>
-          <a:chOff x="0" y="0"/>
-          <a:chExt cx="0" cy="0"/>
-        </a:xfrm>
-      </p:grpSpPr>
-      <p:sp>
-        <p:nvSpPr>
-          <p:cNvPr id="45" name="Shape 45"/>
-          <p:cNvSpPr>
-            <a:spLocks noGrp="1" noRot="1" noChangeAspect="1"/>
-          </p:cNvSpPr>
-          <p:nvPr>
-            <p:ph type="sldImg" idx="2"/>
-          </p:nvPr>
-        </p:nvSpPr>
-        <p:spPr>
-          <a:xfrm>
-            <a:off x="381000" y="685800"/>
-            <a:ext cx="6096000" cy="3429000"/>
-          </a:xfrm>
-          <a:custGeom>
-            <a:avLst/>
-            <a:gdLst/>
-            <a:ahLst/>
-            <a:cxnLst/>
-            <a:rect l="0" t="0" r="0" b="0"/>
-            <a:pathLst>
-              <a:path w="120000" h="120000" extrusionOk="0">
-                <a:moveTo>
-                  <a:pt x="0" y="0"/>
-                </a:moveTo>
-                <a:lnTo>
-                  <a:pt x="120000" y="0"/>
-                </a:lnTo>
-                <a:lnTo>
-                  <a:pt x="120000" y="120000"/>
-                </a:lnTo>
-                <a:lnTo>
-                  <a:pt x="0" y="120000"/>
-                </a:lnTo>
-                <a:close/>
-              </a:path>
-            </a:pathLst>
-          </a:custGeom>
-          <a:noFill/>
-          <a:ln w="9525" cap="flat" cmpd="sng">
-            <a:solidFill>
-              <a:srgbClr val="000000"/>
-            </a:solidFill>
-            <a:prstDash val="solid"/>
-            <a:round/>
-            <a:headEnd type="none" w="med" len="med"/>
-            <a:tailEnd type="none" w="med" len="med"/>
-          </a:ln>
-        </p:spPr>
-      </p:sp>
-      <p:sp>
-        <p:nvSpPr>
-          <p:cNvPr id="46" name="Shape 46"/>
-          <p:cNvSpPr txBox="1">
-            <a:spLocks noGrp="1"/>
-          </p:cNvSpPr>
-          <p:nvPr>
-            <p:ph type="body" idx="1"/>
-          </p:nvPr>
-        </p:nvSpPr>
-        <p:spPr>
-          <a:xfrm>
-            <a:off x="685800" y="4343400"/>
-            <a:ext cx="5486399" cy="4114800"/>
-          </a:xfrm>
-          <a:prstGeom prst="rect">
-            <a:avLst/>
-          </a:prstGeom>
-        </p:spPr>
-        <p:txBody>
-          <a:bodyPr lIns="91425" tIns="91425" rIns="91425" bIns="91425" anchor="t" anchorCtr="0">
-            <a:noAutofit/>
-          </a:bodyPr>
-          <a:lstStyle/>
-          <a:p>
-            <a:pPr>
-              <a:spcBef>
-                <a:spcPts val="0"/>
-              </a:spcBef>
-              <a:buNone/>
-            </a:pPr>
-            <a:r>
-              <a:rPr lang="en-US" dirty="0"/>
-              <a:t>- How</a:t>
-            </a:r>
-            <a:r>
-              <a:rPr lang="en-US" baseline="0" dirty="0"/>
-              <a:t> the Blue book is organized. Read Part IV: Strategic Design to the end and then the whole book.</a:t>
-            </a:r>
-          </a:p>
-          <a:p>
-            <a:pPr>
-              <a:spcBef>
-                <a:spcPts val="0"/>
-              </a:spcBef>
-              <a:buNone/>
-            </a:pPr>
-            <a:endParaRPr dirty="0"/>
-          </a:p>
-        </p:txBody>
-      </p:sp>
-    </p:spTree>
-  </p:cSld>
-  <p:clrMapOvr>
-    <a:masterClrMapping/>
-  </p:clrMapOvr>
-</p:notes>
-</file>
-
-<file path=ppt/notesSlides/notesSlide30.xml><?xml version="1.0" encoding="utf-8"?>
+<file path=ppt/notesSlides/notesSlide33.xml><?xml version="1.0" encoding="utf-8"?>
 <p:notes xmlns:a="http://schemas.openxmlformats.org/drawingml/2006/main" xmlns:r="http://schemas.openxmlformats.org/officeDocument/2006/relationships" xmlns:p="http://schemas.openxmlformats.org/presentationml/2006/main" showMasterSp="0" showMasterPhAnim="0">
   <p:cSld>
     <p:spTree>
@@ -3779,7 +4137,7 @@
 </p:notes>
 </file>
 
-<file path=ppt/notesSlides/notesSlide31.xml><?xml version="1.0" encoding="utf-8"?>
+<file path=ppt/notesSlides/notesSlide34.xml><?xml version="1.0" encoding="utf-8"?>
 <p:notes xmlns:a="http://schemas.openxmlformats.org/drawingml/2006/main" xmlns:r="http://schemas.openxmlformats.org/officeDocument/2006/relationships" xmlns:p="http://schemas.openxmlformats.org/presentationml/2006/main" showMasterSp="0" showMasterPhAnim="0">
   <p:cSld>
     <p:spTree>
@@ -3903,7 +4261,7 @@
 </p:notes>
 </file>
 
-<file path=ppt/notesSlides/notesSlide32.xml><?xml version="1.0" encoding="utf-8"?>
+<file path=ppt/notesSlides/notesSlide35.xml><?xml version="1.0" encoding="utf-8"?>
 <p:notes xmlns:a="http://schemas.openxmlformats.org/drawingml/2006/main" xmlns:r="http://schemas.openxmlformats.org/officeDocument/2006/relationships" xmlns:p="http://schemas.openxmlformats.org/presentationml/2006/main" showMasterSp="0" showMasterPhAnim="0">
   <p:cSld>
     <p:spTree>
@@ -16982,7 +17340,7 @@
         <p:spPr>
           <a:xfrm>
             <a:off x="914400" y="1657350"/>
-            <a:ext cx="7162800" cy="2246769"/>
+            <a:ext cx="7162800" cy="3046988"/>
           </a:xfrm>
           <a:prstGeom prst="rect">
             <a:avLst/>
@@ -16995,51 +17353,35 @@
           </a:bodyPr>
           <a:lstStyle/>
           <a:p>
-            <a:pPr marL="285750" indent="-285750">
-              <a:buFontTx/>
-              <a:buChar char="-"/>
-            </a:pPr>
             <a:r>
-              <a:rPr lang="en-US" sz="2800" dirty="0">
+              <a:rPr lang="en-US" sz="2400" dirty="0">
                 <a:latin typeface="Sniglet" panose="020B0604020202020204" charset="0"/>
               </a:rPr>
-              <a:t>- Important operations that don't belong to a particular Entity or VO</a:t>
+              <a:t>When a significant process or transformation in the domain is </a:t>
             </a:r>
-          </a:p>
-          <a:p>
-            <a:pPr marL="285750" indent="-285750">
-              <a:buFontTx/>
-              <a:buChar char="-"/>
-            </a:pPr>
             <a:r>
-              <a:rPr lang="en-US" sz="2800" dirty="0">
+              <a:rPr lang="en-US" sz="2400" u="sng" dirty="0">
                 <a:latin typeface="Sniglet" panose="020B0604020202020204" charset="0"/>
               </a:rPr>
-              <a:t>	- stateless</a:t>
+              <a:t>not a natural responsibility</a:t>
             </a:r>
-          </a:p>
-          <a:p>
-            <a:pPr marL="285750" indent="-285750">
-              <a:buFontTx/>
-              <a:buChar char="-"/>
-            </a:pPr>
             <a:r>
-              <a:rPr lang="en-US" sz="2800" dirty="0">
+              <a:rPr lang="en-US" sz="2400" dirty="0">
                 <a:latin typeface="Sniglet" panose="020B0604020202020204" charset="0"/>
               </a:rPr>
-              <a:t>	- loads the data </a:t>
+              <a:t> of an ENTITY or VALUE OBJECT, add an operation to the model as standalone interface declared as a SERVICE. Define the interface in terms of the language of the model and make sure the operation name </a:t>
             </a:r>
-          </a:p>
-          <a:p>
-            <a:pPr marL="285750" indent="-285750">
-              <a:buFontTx/>
-              <a:buChar char="-"/>
-            </a:pPr>
             <a:r>
-              <a:rPr lang="en-US" sz="2800" dirty="0">
+              <a:rPr lang="en-US" sz="2400" u="sng" dirty="0">
                 <a:latin typeface="Sniglet" panose="020B0604020202020204" charset="0"/>
               </a:rPr>
-              <a:t>	- persists data/state</a:t>
+              <a:t>is part of the UBIQUITOUS LANGUAGE</a:t>
+            </a:r>
+            <a:r>
+              <a:rPr lang="en-US" sz="2400" dirty="0">
+                <a:latin typeface="Sniglet" panose="020B0604020202020204" charset="0"/>
+              </a:rPr>
+              <a:t>. Make the SERVICE stateless.</a:t>
             </a:r>
           </a:p>
         </p:txBody>
@@ -17087,7 +17429,7 @@
         </p:nvSpPr>
         <p:spPr>
           <a:xfrm>
-            <a:off x="685800" y="514350"/>
+            <a:off x="685800" y="209550"/>
             <a:ext cx="7772400" cy="1159799"/>
           </a:xfrm>
           <a:prstGeom prst="rect">
@@ -17140,11 +17482,11 @@
           <a:p>
             <a:pPr algn="ctr"/>
             <a:r>
-              <a:rPr lang="en-US" sz="4400" b="1" dirty="0">
+              <a:rPr lang="fr-FR" sz="4400" b="1" dirty="0">
                 <a:latin typeface="Walter Turncoat" panose="020B0604020202020204" charset="0"/>
                 <a:ea typeface="Walter Turncoat" panose="020B0604020202020204" charset="0"/>
               </a:rPr>
-              <a:t>Specification Pattern</a:t>
+              <a:t>Domain Service vs Application Service</a:t>
             </a:r>
             <a:endParaRPr lang="en" sz="4400" b="1" dirty="0">
               <a:latin typeface="Walter Turncoat" panose="020B0604020202020204" charset="0"/>
@@ -17161,8 +17503,8 @@
         </p:nvSpPr>
         <p:spPr>
           <a:xfrm>
-            <a:off x="914400" y="1657350"/>
-            <a:ext cx="7162800" cy="1384995"/>
+            <a:off x="990600" y="1759392"/>
+            <a:ext cx="7162800" cy="3416320"/>
           </a:xfrm>
           <a:prstGeom prst="rect">
             <a:avLst/>
@@ -17180,12 +17522,30 @@
               <a:buChar char="-"/>
             </a:pPr>
             <a:r>
-              <a:rPr lang="en-US" sz="2800">
+              <a:rPr lang="en-US" sz="2400" dirty="0">
                 <a:latin typeface="Sniglet" panose="020B0604020202020204" charset="0"/>
               </a:rPr>
-              <a:t>- https://en.wikipedia.org/wiki/Specification_pattern</a:t>
+              <a:t>Domain services are very granular where as application services are a facade purposed with providing an API.</a:t>
             </a:r>
-            <a:endParaRPr lang="en-US" sz="2800" dirty="0">
+          </a:p>
+          <a:p>
+            <a:pPr marL="285750" indent="-285750">
+              <a:buFontTx/>
+              <a:buChar char="-"/>
+            </a:pPr>
+            <a:r>
+              <a:rPr lang="en-US" sz="2400" dirty="0">
+                <a:latin typeface="Sniglet" panose="020B0604020202020204" charset="0"/>
+              </a:rPr>
+              <a:t>Domain services contain domain logic that can’t naturally be placed in an entity or value object whereas application services orchestrate the execution of domain logic and don’t themselves implement any domain logic.</a:t>
+            </a:r>
+          </a:p>
+          <a:p>
+            <a:pPr marL="285750" indent="-285750">
+              <a:buFontTx/>
+              <a:buChar char="-"/>
+            </a:pPr>
+            <a:endParaRPr lang="en-US" sz="2400" dirty="0">
               <a:latin typeface="Sniglet" panose="020B0604020202020204" charset="0"/>
             </a:endParaRPr>
           </a:p>
@@ -17194,7 +17554,7 @@
     </p:spTree>
     <p:extLst>
       <p:ext uri="{BB962C8B-B14F-4D97-AF65-F5344CB8AC3E}">
-        <p14:creationId xmlns:p14="http://schemas.microsoft.com/office/powerpoint/2010/main" val="1372091681"/>
+        <p14:creationId xmlns:p14="http://schemas.microsoft.com/office/powerpoint/2010/main" val="3155376551"/>
       </p:ext>
     </p:extLst>
   </p:cSld>
@@ -17234,7 +17594,7 @@
         </p:nvSpPr>
         <p:spPr>
           <a:xfrm>
-            <a:off x="685800" y="514350"/>
+            <a:off x="685800" y="209550"/>
             <a:ext cx="7772400" cy="1159799"/>
           </a:xfrm>
           <a:prstGeom prst="rect">
@@ -17287,11 +17647,11 @@
           <a:p>
             <a:pPr algn="ctr"/>
             <a:r>
-              <a:rPr lang="en-US" sz="4400" b="1" dirty="0">
+              <a:rPr lang="fr-FR" sz="4400" b="1" dirty="0">
                 <a:latin typeface="Walter Turncoat" panose="020B0604020202020204" charset="0"/>
                 <a:ea typeface="Walter Turncoat" panose="020B0604020202020204" charset="0"/>
               </a:rPr>
-              <a:t>Domain Events</a:t>
+              <a:t>Domain Service vs Application Service</a:t>
             </a:r>
             <a:endParaRPr lang="en" sz="4400" b="1" dirty="0">
               <a:latin typeface="Walter Turncoat" panose="020B0604020202020204" charset="0"/>
@@ -17308,8 +17668,8 @@
         </p:nvSpPr>
         <p:spPr>
           <a:xfrm>
-            <a:off x="914400" y="1657350"/>
-            <a:ext cx="7162800" cy="523220"/>
+            <a:off x="990600" y="1759392"/>
+            <a:ext cx="7162800" cy="3416320"/>
           </a:xfrm>
           <a:prstGeom prst="rect">
             <a:avLst/>
@@ -17327,18 +17687,39 @@
               <a:buChar char="-"/>
             </a:pPr>
             <a:r>
-              <a:rPr lang="en-US" sz="2800" dirty="0">
+              <a:rPr lang="en-US" sz="2400" dirty="0">
                 <a:latin typeface="Sniglet" panose="020B0604020202020204" charset="0"/>
               </a:rPr>
-              <a:t>gg</a:t>
+              <a:t>Domain service methods can have other domain elements as operands and return values whereas application services operate upon trivial operands such as identity values and primitive data structures.</a:t>
             </a:r>
+          </a:p>
+          <a:p>
+            <a:pPr marL="285750" indent="-285750">
+              <a:buFontTx/>
+              <a:buChar char="-"/>
+            </a:pPr>
+            <a:r>
+              <a:rPr lang="en-US" sz="2400" dirty="0">
+                <a:latin typeface="Sniglet" panose="020B0604020202020204" charset="0"/>
+              </a:rPr>
+              <a:t>Application services declare dependencies on infrastructural services required to execute domain logic.</a:t>
+            </a:r>
+          </a:p>
+          <a:p>
+            <a:pPr marL="285750" indent="-285750">
+              <a:buFontTx/>
+              <a:buChar char="-"/>
+            </a:pPr>
+            <a:endParaRPr lang="en-US" sz="2400" dirty="0">
+              <a:latin typeface="Sniglet" panose="020B0604020202020204" charset="0"/>
+            </a:endParaRPr>
           </a:p>
         </p:txBody>
       </p:sp>
     </p:spTree>
     <p:extLst>
       <p:ext uri="{BB962C8B-B14F-4D97-AF65-F5344CB8AC3E}">
-        <p14:creationId xmlns:p14="http://schemas.microsoft.com/office/powerpoint/2010/main" val="1408793187"/>
+        <p14:creationId xmlns:p14="http://schemas.microsoft.com/office/powerpoint/2010/main" val="3061186743"/>
       </p:ext>
     </p:extLst>
   </p:cSld>
@@ -18825,6 +19206,443 @@
 </file>
 
 <file path=ppt/slides/slide30.xml><?xml version="1.0" encoding="utf-8"?>
+<p:sld xmlns:a="http://schemas.openxmlformats.org/drawingml/2006/main" xmlns:r="http://schemas.openxmlformats.org/officeDocument/2006/relationships" xmlns:p="http://schemas.openxmlformats.org/presentationml/2006/main">
+  <p:cSld>
+    <p:spTree>
+      <p:nvGrpSpPr>
+        <p:cNvPr id="1" name="Shape 58"/>
+        <p:cNvGrpSpPr/>
+        <p:nvPr/>
+      </p:nvGrpSpPr>
+      <p:grpSpPr>
+        <a:xfrm>
+          <a:off x="0" y="0"/>
+          <a:ext cx="0" cy="0"/>
+          <a:chOff x="0" y="0"/>
+          <a:chExt cx="0" cy="0"/>
+        </a:xfrm>
+      </p:grpSpPr>
+      <p:sp>
+        <p:nvSpPr>
+          <p:cNvPr id="20" name="Shape 87"/>
+          <p:cNvSpPr txBox="1">
+            <a:spLocks/>
+          </p:cNvSpPr>
+          <p:nvPr/>
+        </p:nvSpPr>
+        <p:spPr>
+          <a:xfrm>
+            <a:off x="685800" y="209550"/>
+            <a:ext cx="7772400" cy="1159799"/>
+          </a:xfrm>
+          <a:prstGeom prst="rect">
+            <a:avLst/>
+          </a:prstGeom>
+          <a:noFill/>
+          <a:ln>
+            <a:noFill/>
+          </a:ln>
+        </p:spPr>
+        <p:txBody>
+          <a:bodyPr lIns="91425" tIns="91425" rIns="91425" bIns="91425" anchor="t" anchorCtr="0">
+            <a:noAutofit/>
+          </a:bodyPr>
+          <a:lstStyle>
+            <a:defPPr marR="0" algn="l" rtl="0">
+              <a:lnSpc>
+                <a:spcPct val="100000"/>
+              </a:lnSpc>
+              <a:spcBef>
+                <a:spcPts val="0"/>
+              </a:spcBef>
+              <a:spcAft>
+                <a:spcPts val="0"/>
+              </a:spcAft>
+            </a:defPPr>
+            <a:lvl1pPr marR="0" algn="l" rtl="0">
+              <a:lnSpc>
+                <a:spcPct val="100000"/>
+              </a:lnSpc>
+              <a:spcBef>
+                <a:spcPts val="0"/>
+              </a:spcBef>
+              <a:spcAft>
+                <a:spcPts val="0"/>
+              </a:spcAft>
+              <a:buNone/>
+              <a:defRPr sz="1400" b="0" i="0" u="none" strike="noStrike" cap="none" baseline="0">
+                <a:solidFill>
+                  <a:srgbClr val="000000"/>
+                </a:solidFill>
+                <a:latin typeface="Arial"/>
+                <a:ea typeface="Arial"/>
+                <a:cs typeface="Arial"/>
+                <a:sym typeface="Arial"/>
+                <a:rtl val="0"/>
+              </a:defRPr>
+            </a:lvl1pPr>
+          </a:lstStyle>
+          <a:p>
+            <a:pPr algn="ctr"/>
+            <a:r>
+              <a:rPr lang="fr-FR" sz="4400" b="1" dirty="0">
+                <a:latin typeface="Walter Turncoat" panose="020B0604020202020204" charset="0"/>
+                <a:ea typeface="Walter Turncoat" panose="020B0604020202020204" charset="0"/>
+              </a:rPr>
+              <a:t>Domain Service vs Application Service</a:t>
+            </a:r>
+            <a:endParaRPr lang="en" sz="4400" b="1" dirty="0">
+              <a:latin typeface="Walter Turncoat" panose="020B0604020202020204" charset="0"/>
+              <a:ea typeface="Walter Turncoat" panose="020B0604020202020204" charset="0"/>
+            </a:endParaRPr>
+          </a:p>
+        </p:txBody>
+      </p:sp>
+      <p:sp>
+        <p:nvSpPr>
+          <p:cNvPr id="16" name="TextBox 15"/>
+          <p:cNvSpPr txBox="1"/>
+          <p:nvPr/>
+        </p:nvSpPr>
+        <p:spPr>
+          <a:xfrm>
+            <a:off x="990600" y="1759392"/>
+            <a:ext cx="7162800" cy="1200329"/>
+          </a:xfrm>
+          <a:prstGeom prst="rect">
+            <a:avLst/>
+          </a:prstGeom>
+          <a:noFill/>
+        </p:spPr>
+        <p:txBody>
+          <a:bodyPr wrap="square" rtlCol="0">
+            <a:spAutoFit/>
+          </a:bodyPr>
+          <a:lstStyle/>
+          <a:p>
+            <a:pPr marL="285750" indent="-285750">
+              <a:buFontTx/>
+              <a:buChar char="-"/>
+            </a:pPr>
+            <a:r>
+              <a:rPr lang="en-US" sz="2400" dirty="0">
+                <a:latin typeface="Sniglet" panose="020B0604020202020204" charset="0"/>
+              </a:rPr>
+              <a:t>Command handlers are a flavor of application services which focus on handling a single command typically in a CQRS architecture.</a:t>
+            </a:r>
+          </a:p>
+        </p:txBody>
+      </p:sp>
+    </p:spTree>
+    <p:extLst>
+      <p:ext uri="{BB962C8B-B14F-4D97-AF65-F5344CB8AC3E}">
+        <p14:creationId xmlns:p14="http://schemas.microsoft.com/office/powerpoint/2010/main" val="3712074933"/>
+      </p:ext>
+    </p:extLst>
+  </p:cSld>
+  <p:clrMapOvr>
+    <a:masterClrMapping/>
+  </p:clrMapOvr>
+  <p:transition spd="slow">
+    <p:cut/>
+  </p:transition>
+</p:sld>
+</file>
+
+<file path=ppt/slides/slide31.xml><?xml version="1.0" encoding="utf-8"?>
+<p:sld xmlns:a="http://schemas.openxmlformats.org/drawingml/2006/main" xmlns:r="http://schemas.openxmlformats.org/officeDocument/2006/relationships" xmlns:p="http://schemas.openxmlformats.org/presentationml/2006/main">
+  <p:cSld>
+    <p:spTree>
+      <p:nvGrpSpPr>
+        <p:cNvPr id="1" name="Shape 58"/>
+        <p:cNvGrpSpPr/>
+        <p:nvPr/>
+      </p:nvGrpSpPr>
+      <p:grpSpPr>
+        <a:xfrm>
+          <a:off x="0" y="0"/>
+          <a:ext cx="0" cy="0"/>
+          <a:chOff x="0" y="0"/>
+          <a:chExt cx="0" cy="0"/>
+        </a:xfrm>
+      </p:grpSpPr>
+      <p:sp>
+        <p:nvSpPr>
+          <p:cNvPr id="20" name="Shape 87"/>
+          <p:cNvSpPr txBox="1">
+            <a:spLocks/>
+          </p:cNvSpPr>
+          <p:nvPr/>
+        </p:nvSpPr>
+        <p:spPr>
+          <a:xfrm>
+            <a:off x="685800" y="514350"/>
+            <a:ext cx="7772400" cy="1159799"/>
+          </a:xfrm>
+          <a:prstGeom prst="rect">
+            <a:avLst/>
+          </a:prstGeom>
+          <a:noFill/>
+          <a:ln>
+            <a:noFill/>
+          </a:ln>
+        </p:spPr>
+        <p:txBody>
+          <a:bodyPr lIns="91425" tIns="91425" rIns="91425" bIns="91425" anchor="t" anchorCtr="0">
+            <a:noAutofit/>
+          </a:bodyPr>
+          <a:lstStyle>
+            <a:defPPr marR="0" algn="l" rtl="0">
+              <a:lnSpc>
+                <a:spcPct val="100000"/>
+              </a:lnSpc>
+              <a:spcBef>
+                <a:spcPts val="0"/>
+              </a:spcBef>
+              <a:spcAft>
+                <a:spcPts val="0"/>
+              </a:spcAft>
+            </a:defPPr>
+            <a:lvl1pPr marR="0" algn="l" rtl="0">
+              <a:lnSpc>
+                <a:spcPct val="100000"/>
+              </a:lnSpc>
+              <a:spcBef>
+                <a:spcPts val="0"/>
+              </a:spcBef>
+              <a:spcAft>
+                <a:spcPts val="0"/>
+              </a:spcAft>
+              <a:buNone/>
+              <a:defRPr sz="1400" b="0" i="0" u="none" strike="noStrike" cap="none" baseline="0">
+                <a:solidFill>
+                  <a:srgbClr val="000000"/>
+                </a:solidFill>
+                <a:latin typeface="Arial"/>
+                <a:ea typeface="Arial"/>
+                <a:cs typeface="Arial"/>
+                <a:sym typeface="Arial"/>
+                <a:rtl val="0"/>
+              </a:defRPr>
+            </a:lvl1pPr>
+          </a:lstStyle>
+          <a:p>
+            <a:pPr algn="ctr"/>
+            <a:r>
+              <a:rPr lang="en-US" sz="4400" b="1" dirty="0">
+                <a:latin typeface="Walter Turncoat" panose="020B0604020202020204" charset="0"/>
+                <a:ea typeface="Walter Turncoat" panose="020B0604020202020204" charset="0"/>
+              </a:rPr>
+              <a:t>Specification Pattern</a:t>
+            </a:r>
+            <a:endParaRPr lang="en" sz="4400" b="1" dirty="0">
+              <a:latin typeface="Walter Turncoat" panose="020B0604020202020204" charset="0"/>
+              <a:ea typeface="Walter Turncoat" panose="020B0604020202020204" charset="0"/>
+            </a:endParaRPr>
+          </a:p>
+        </p:txBody>
+      </p:sp>
+      <p:sp>
+        <p:nvSpPr>
+          <p:cNvPr id="16" name="TextBox 15"/>
+          <p:cNvSpPr txBox="1"/>
+          <p:nvPr/>
+        </p:nvSpPr>
+        <p:spPr>
+          <a:xfrm>
+            <a:off x="914400" y="1657350"/>
+            <a:ext cx="7162800" cy="954107"/>
+          </a:xfrm>
+          <a:prstGeom prst="rect">
+            <a:avLst/>
+          </a:prstGeom>
+          <a:noFill/>
+        </p:spPr>
+        <p:txBody>
+          <a:bodyPr wrap="square" rtlCol="0">
+            <a:spAutoFit/>
+          </a:bodyPr>
+          <a:lstStyle/>
+          <a:p>
+            <a:r>
+              <a:rPr lang="en-US" sz="2800" dirty="0">
+                <a:latin typeface="Sniglet" panose="020B0604020202020204" charset="0"/>
+              </a:rPr>
+              <a:t>https://en.wikipedia.org/wiki/Specification_pattern</a:t>
+            </a:r>
+          </a:p>
+        </p:txBody>
+      </p:sp>
+    </p:spTree>
+    <p:extLst>
+      <p:ext uri="{BB962C8B-B14F-4D97-AF65-F5344CB8AC3E}">
+        <p14:creationId xmlns:p14="http://schemas.microsoft.com/office/powerpoint/2010/main" val="1372091681"/>
+      </p:ext>
+    </p:extLst>
+  </p:cSld>
+  <p:clrMapOvr>
+    <a:masterClrMapping/>
+  </p:clrMapOvr>
+  <p:transition spd="slow">
+    <p:cut/>
+  </p:transition>
+</p:sld>
+</file>
+
+<file path=ppt/slides/slide32.xml><?xml version="1.0" encoding="utf-8"?>
+<p:sld xmlns:a="http://schemas.openxmlformats.org/drawingml/2006/main" xmlns:r="http://schemas.openxmlformats.org/officeDocument/2006/relationships" xmlns:p="http://schemas.openxmlformats.org/presentationml/2006/main">
+  <p:cSld>
+    <p:spTree>
+      <p:nvGrpSpPr>
+        <p:cNvPr id="1" name="Shape 58"/>
+        <p:cNvGrpSpPr/>
+        <p:nvPr/>
+      </p:nvGrpSpPr>
+      <p:grpSpPr>
+        <a:xfrm>
+          <a:off x="0" y="0"/>
+          <a:ext cx="0" cy="0"/>
+          <a:chOff x="0" y="0"/>
+          <a:chExt cx="0" cy="0"/>
+        </a:xfrm>
+      </p:grpSpPr>
+      <p:sp>
+        <p:nvSpPr>
+          <p:cNvPr id="20" name="Shape 87"/>
+          <p:cNvSpPr txBox="1">
+            <a:spLocks/>
+          </p:cNvSpPr>
+          <p:nvPr/>
+        </p:nvSpPr>
+        <p:spPr>
+          <a:xfrm>
+            <a:off x="685800" y="514350"/>
+            <a:ext cx="7772400" cy="1159799"/>
+          </a:xfrm>
+          <a:prstGeom prst="rect">
+            <a:avLst/>
+          </a:prstGeom>
+          <a:noFill/>
+          <a:ln>
+            <a:noFill/>
+          </a:ln>
+        </p:spPr>
+        <p:txBody>
+          <a:bodyPr lIns="91425" tIns="91425" rIns="91425" bIns="91425" anchor="t" anchorCtr="0">
+            <a:noAutofit/>
+          </a:bodyPr>
+          <a:lstStyle>
+            <a:defPPr marR="0" algn="l" rtl="0">
+              <a:lnSpc>
+                <a:spcPct val="100000"/>
+              </a:lnSpc>
+              <a:spcBef>
+                <a:spcPts val="0"/>
+              </a:spcBef>
+              <a:spcAft>
+                <a:spcPts val="0"/>
+              </a:spcAft>
+            </a:defPPr>
+            <a:lvl1pPr marR="0" algn="l" rtl="0">
+              <a:lnSpc>
+                <a:spcPct val="100000"/>
+              </a:lnSpc>
+              <a:spcBef>
+                <a:spcPts val="0"/>
+              </a:spcBef>
+              <a:spcAft>
+                <a:spcPts val="0"/>
+              </a:spcAft>
+              <a:buNone/>
+              <a:defRPr sz="1400" b="0" i="0" u="none" strike="noStrike" cap="none" baseline="0">
+                <a:solidFill>
+                  <a:srgbClr val="000000"/>
+                </a:solidFill>
+                <a:latin typeface="Arial"/>
+                <a:ea typeface="Arial"/>
+                <a:cs typeface="Arial"/>
+                <a:sym typeface="Arial"/>
+                <a:rtl val="0"/>
+              </a:defRPr>
+            </a:lvl1pPr>
+          </a:lstStyle>
+          <a:p>
+            <a:pPr algn="ctr"/>
+            <a:r>
+              <a:rPr lang="en-US" sz="4400" b="1" dirty="0">
+                <a:latin typeface="Walter Turncoat" panose="020B0604020202020204" charset="0"/>
+                <a:ea typeface="Walter Turncoat" panose="020B0604020202020204" charset="0"/>
+              </a:rPr>
+              <a:t>Domain Events</a:t>
+            </a:r>
+            <a:endParaRPr lang="en" sz="4400" b="1" dirty="0">
+              <a:latin typeface="Walter Turncoat" panose="020B0604020202020204" charset="0"/>
+              <a:ea typeface="Walter Turncoat" panose="020B0604020202020204" charset="0"/>
+            </a:endParaRPr>
+          </a:p>
+        </p:txBody>
+      </p:sp>
+      <p:sp>
+        <p:nvSpPr>
+          <p:cNvPr id="16" name="TextBox 15"/>
+          <p:cNvSpPr txBox="1"/>
+          <p:nvPr/>
+        </p:nvSpPr>
+        <p:spPr>
+          <a:xfrm>
+            <a:off x="914400" y="1657350"/>
+            <a:ext cx="7162800" cy="954107"/>
+          </a:xfrm>
+          <a:prstGeom prst="rect">
+            <a:avLst/>
+          </a:prstGeom>
+          <a:noFill/>
+        </p:spPr>
+        <p:txBody>
+          <a:bodyPr wrap="square" rtlCol="0">
+            <a:spAutoFit/>
+          </a:bodyPr>
+          <a:lstStyle/>
+          <a:p>
+            <a:pPr marL="285750" indent="-285750">
+              <a:buFontTx/>
+              <a:buChar char="-"/>
+            </a:pPr>
+            <a:r>
+              <a:rPr lang="en-US" sz="2800" dirty="0">
+                <a:latin typeface="Sniglet" panose="020B0604020202020204" charset="0"/>
+              </a:rPr>
+              <a:t>Just wait for the CQRS…</a:t>
+            </a:r>
+          </a:p>
+          <a:p>
+            <a:pPr marL="285750" indent="-285750">
+              <a:buFontTx/>
+              <a:buChar char="-"/>
+            </a:pPr>
+            <a:endParaRPr lang="en-US" sz="2800" dirty="0">
+              <a:latin typeface="Sniglet" panose="020B0604020202020204" charset="0"/>
+            </a:endParaRPr>
+          </a:p>
+        </p:txBody>
+      </p:sp>
+    </p:spTree>
+    <p:extLst>
+      <p:ext uri="{BB962C8B-B14F-4D97-AF65-F5344CB8AC3E}">
+        <p14:creationId xmlns:p14="http://schemas.microsoft.com/office/powerpoint/2010/main" val="1408793187"/>
+      </p:ext>
+    </p:extLst>
+  </p:cSld>
+  <p:clrMapOvr>
+    <a:masterClrMapping/>
+  </p:clrMapOvr>
+  <p:transition spd="slow">
+    <p:cut/>
+  </p:transition>
+</p:sld>
+</file>
+
+<file path=ppt/slides/slide33.xml><?xml version="1.0" encoding="utf-8"?>
 <p:sld xmlns:a="http://schemas.openxmlformats.org/drawingml/2006/main" xmlns:r="http://schemas.openxmlformats.org/officeDocument/2006/relationships" xmlns:p="http://schemas.openxmlformats.org/presentationml/2006/main" showMasterSp="0">
   <p:cSld>
     <p:spTree>
@@ -19025,7 +19843,7 @@
 </p:sld>
 </file>
 
-<file path=ppt/slides/slide31.xml><?xml version="1.0" encoding="utf-8"?>
+<file path=ppt/slides/slide34.xml><?xml version="1.0" encoding="utf-8"?>
 <p:sld xmlns:a="http://schemas.openxmlformats.org/drawingml/2006/main" xmlns:r="http://schemas.openxmlformats.org/officeDocument/2006/relationships" xmlns:p="http://schemas.openxmlformats.org/presentationml/2006/main">
   <p:cSld>
     <p:spTree>
@@ -22679,7 +23497,7 @@
 </p:sld>
 </file>
 
-<file path=ppt/slides/slide32.xml><?xml version="1.0" encoding="utf-8"?>
+<file path=ppt/slides/slide35.xml><?xml version="1.0" encoding="utf-8"?>
 <p:sld xmlns:a="http://schemas.openxmlformats.org/drawingml/2006/main" xmlns:r="http://schemas.openxmlformats.org/officeDocument/2006/relationships" xmlns:p="http://schemas.openxmlformats.org/presentationml/2006/main" showMasterSp="0">
   <p:cSld>
     <p:spTree>
